--- a/report/2019년 1월 Report.pptx
+++ b/report/2019년 1월 Report.pptx
@@ -4388,7 +4388,7 @@
                 <a:spcPct val="100000"/>
               </a:lnSpc>
             </a:pPr>
-            <a:fld id="{93E3AE5D-5478-4980-BE65-4344F5679486}" type="datetime">
+            <a:fld id="{B0092270-5350-4DFC-8B5F-59DB8800296B}" type="datetime">
               <a:rPr b="0" lang="en-US" sz="1200" spc="-1" strike="noStrike">
                 <a:solidFill>
                   <a:srgbClr val="8b8b8b"/>
@@ -4458,7 +4458,7 @@
                 <a:spcPct val="100000"/>
               </a:lnSpc>
             </a:pPr>
-            <a:fld id="{25B0B8B2-9448-493B-A178-566233D4C63C}" type="slidenum">
+            <a:fld id="{1FE1C7B5-5428-482F-9CBF-512D7AAFCEE0}" type="slidenum">
               <a:rPr b="0" lang="en-US" sz="1200" spc="-1" strike="noStrike">
                 <a:solidFill>
                   <a:srgbClr val="8b8b8b"/>
@@ -5037,7 +5037,7 @@
                 <a:spcPct val="100000"/>
               </a:lnSpc>
             </a:pPr>
-            <a:fld id="{C6D72C98-B170-40EC-B5B5-79F23B985000}" type="datetime">
+            <a:fld id="{12050656-DF3D-47B5-9F23-9DF040A43644}" type="datetime">
               <a:rPr b="0" lang="en-US" sz="1200" spc="-1" strike="noStrike">
                 <a:solidFill>
                   <a:srgbClr val="8b8b8b"/>
@@ -5107,14 +5107,14 @@
                 <a:spcPct val="100000"/>
               </a:lnSpc>
             </a:pPr>
-            <a:fld id="{3D64691C-FCA3-4BA6-9997-28513924758A}" type="slidenum">
+            <a:fld id="{408F51E7-BB28-497E-9B94-B24D42C969F5}" type="slidenum">
               <a:rPr b="0" lang="en-US" sz="1200" spc="-1" strike="noStrike">
                 <a:solidFill>
                   <a:srgbClr val="8b8b8b"/>
                 </a:solidFill>
                 <a:latin typeface="맑은 고딕"/>
               </a:rPr>
-              <a:t>&lt;숫자&gt;</a:t>
+              <a:t>1</a:t>
             </a:fld>
             <a:endParaRPr b="0" lang="en-US" sz="1200" spc="-1" strike="noStrike">
               <a:latin typeface="Noto Sans CJK JP Regular"/>
@@ -5680,7 +5680,7 @@
                 <a:spcPct val="100000"/>
               </a:lnSpc>
             </a:pPr>
-            <a:fld id="{9DEB120E-807E-404C-A657-93AB1355BD7D}" type="datetime">
+            <a:fld id="{8E93D9CE-6A12-4E02-B9C8-CCEA45527F0C}" type="datetime">
               <a:rPr b="0" lang="en-US" sz="1200" spc="-1" strike="noStrike">
                 <a:solidFill>
                   <a:srgbClr val="8b8b8b"/>
@@ -5750,14 +5750,14 @@
                 <a:spcPct val="100000"/>
               </a:lnSpc>
             </a:pPr>
-            <a:fld id="{7ED54B58-DBFD-4D8C-99CD-8500EB1E82EB}" type="slidenum">
+            <a:fld id="{40373D46-BE86-4FF1-BD18-F4E5DB3FE80B}" type="slidenum">
               <a:rPr b="0" lang="en-US" sz="1200" spc="-1" strike="noStrike">
                 <a:solidFill>
                   <a:srgbClr val="8b8b8b"/>
                 </a:solidFill>
                 <a:latin typeface="맑은 고딕"/>
               </a:rPr>
-              <a:t>&lt;숫자&gt;</a:t>
+              <a:t>1</a:t>
             </a:fld>
             <a:endParaRPr b="0" lang="en-US" sz="1200" spc="-1" strike="noStrike">
               <a:latin typeface="Noto Sans CJK JP Regular"/>
